--- a/程序设计语言原理/作业2.pptx
+++ b/程序设计语言原理/作业2.pptx
@@ -5,12 +5,8 @@
     <p:sldMasterId id="2147483648" r:id="rId1"/>
   </p:sldMasterIdLst>
   <p:sldIdLst>
-    <p:sldId id="256" r:id="rId2"/>
-    <p:sldId id="406" r:id="rId3"/>
-    <p:sldId id="446" r:id="rId4"/>
-    <p:sldId id="405" r:id="rId5"/>
-    <p:sldId id="384" r:id="rId6"/>
-    <p:sldId id="385" r:id="rId7"/>
+    <p:sldId id="406" r:id="rId2"/>
+    <p:sldId id="446" r:id="rId3"/>
   </p:sldIdLst>
   <p:sldSz cx="12192000" cy="6858000"/>
   <p:notesSz cx="6858000" cy="9144000"/>
@@ -264,7 +260,7 @@
           <a:p>
             <a:fld id="{0D5E03DA-256A-4C2E-870E-F60DBB56BF95}" type="datetimeFigureOut">
               <a:rPr lang="zh-CN" altLang="en-US" smtClean="0"/>
-              <a:t>2020/10/27</a:t>
+              <a:t>20/10/30</a:t>
             </a:fld>
             <a:endParaRPr lang="zh-CN" altLang="en-US"/>
           </a:p>
@@ -462,7 +458,7 @@
           <a:p>
             <a:fld id="{0D5E03DA-256A-4C2E-870E-F60DBB56BF95}" type="datetimeFigureOut">
               <a:rPr lang="zh-CN" altLang="en-US" smtClean="0"/>
-              <a:t>2020/10/27</a:t>
+              <a:t>20/10/30</a:t>
             </a:fld>
             <a:endParaRPr lang="zh-CN" altLang="en-US"/>
           </a:p>
@@ -670,7 +666,7 @@
           <a:p>
             <a:fld id="{0D5E03DA-256A-4C2E-870E-F60DBB56BF95}" type="datetimeFigureOut">
               <a:rPr lang="zh-CN" altLang="en-US" smtClean="0"/>
-              <a:t>2020/10/27</a:t>
+              <a:t>20/10/30</a:t>
             </a:fld>
             <a:endParaRPr lang="zh-CN" altLang="en-US"/>
           </a:p>
@@ -868,7 +864,7 @@
           <a:p>
             <a:fld id="{0D5E03DA-256A-4C2E-870E-F60DBB56BF95}" type="datetimeFigureOut">
               <a:rPr lang="zh-CN" altLang="en-US" smtClean="0"/>
-              <a:t>2020/10/27</a:t>
+              <a:t>20/10/30</a:t>
             </a:fld>
             <a:endParaRPr lang="zh-CN" altLang="en-US"/>
           </a:p>
@@ -1143,7 +1139,7 @@
           <a:p>
             <a:fld id="{0D5E03DA-256A-4C2E-870E-F60DBB56BF95}" type="datetimeFigureOut">
               <a:rPr lang="zh-CN" altLang="en-US" smtClean="0"/>
-              <a:t>2020/10/27</a:t>
+              <a:t>20/10/30</a:t>
             </a:fld>
             <a:endParaRPr lang="zh-CN" altLang="en-US"/>
           </a:p>
@@ -1408,7 +1404,7 @@
           <a:p>
             <a:fld id="{0D5E03DA-256A-4C2E-870E-F60DBB56BF95}" type="datetimeFigureOut">
               <a:rPr lang="zh-CN" altLang="en-US" smtClean="0"/>
-              <a:t>2020/10/27</a:t>
+              <a:t>20/10/30</a:t>
             </a:fld>
             <a:endParaRPr lang="zh-CN" altLang="en-US"/>
           </a:p>
@@ -1820,7 +1816,7 @@
           <a:p>
             <a:fld id="{0D5E03DA-256A-4C2E-870E-F60DBB56BF95}" type="datetimeFigureOut">
               <a:rPr lang="zh-CN" altLang="en-US" smtClean="0"/>
-              <a:t>2020/10/27</a:t>
+              <a:t>20/10/30</a:t>
             </a:fld>
             <a:endParaRPr lang="zh-CN" altLang="en-US"/>
           </a:p>
@@ -1961,7 +1957,7 @@
           <a:p>
             <a:fld id="{0D5E03DA-256A-4C2E-870E-F60DBB56BF95}" type="datetimeFigureOut">
               <a:rPr lang="zh-CN" altLang="en-US" smtClean="0"/>
-              <a:t>2020/10/27</a:t>
+              <a:t>20/10/30</a:t>
             </a:fld>
             <a:endParaRPr lang="zh-CN" altLang="en-US"/>
           </a:p>
@@ -2074,7 +2070,7 @@
           <a:p>
             <a:fld id="{0D5E03DA-256A-4C2E-870E-F60DBB56BF95}" type="datetimeFigureOut">
               <a:rPr lang="zh-CN" altLang="en-US" smtClean="0"/>
-              <a:t>2020/10/27</a:t>
+              <a:t>20/10/30</a:t>
             </a:fld>
             <a:endParaRPr lang="zh-CN" altLang="en-US"/>
           </a:p>
@@ -2385,7 +2381,7 @@
           <a:p>
             <a:fld id="{0D5E03DA-256A-4C2E-870E-F60DBB56BF95}" type="datetimeFigureOut">
               <a:rPr lang="zh-CN" altLang="en-US" smtClean="0"/>
-              <a:t>2020/10/27</a:t>
+              <a:t>20/10/30</a:t>
             </a:fld>
             <a:endParaRPr lang="zh-CN" altLang="en-US"/>
           </a:p>
@@ -2673,7 +2669,7 @@
           <a:p>
             <a:fld id="{0D5E03DA-256A-4C2E-870E-F60DBB56BF95}" type="datetimeFigureOut">
               <a:rPr lang="zh-CN" altLang="en-US" smtClean="0"/>
-              <a:t>2020/10/27</a:t>
+              <a:t>20/10/30</a:t>
             </a:fld>
             <a:endParaRPr lang="zh-CN" altLang="en-US"/>
           </a:p>
@@ -2914,7 +2910,7 @@
           <a:p>
             <a:fld id="{0D5E03DA-256A-4C2E-870E-F60DBB56BF95}" type="datetimeFigureOut">
               <a:rPr lang="zh-CN" altLang="en-US" smtClean="0"/>
-              <a:t>2020/10/27</a:t>
+              <a:t>20/10/30</a:t>
             </a:fld>
             <a:endParaRPr lang="zh-CN" altLang="en-US"/>
           </a:p>
@@ -3336,58 +3332,237 @@
           <p:cNvPr id="2" name="标题 1">
             <a:extLst>
               <a:ext uri="{FF2B5EF4-FFF2-40B4-BE49-F238E27FC236}">
-                <a16:creationId xmlns:a16="http://schemas.microsoft.com/office/drawing/2014/main" id="{B20E0DDF-B17E-4B42-A837-F0A5EE57265E}"/>
-              </a:ext>
-            </a:extLst>
-          </p:cNvPr>
-          <p:cNvSpPr>
-            <a:spLocks noGrp="1"/>
-          </p:cNvSpPr>
-          <p:nvPr>
-            <p:ph type="ctrTitle"/>
-          </p:nvPr>
-        </p:nvSpPr>
-        <p:spPr/>
-        <p:txBody>
-          <a:bodyPr/>
+                <a16:creationId xmlns:a16="http://schemas.microsoft.com/office/drawing/2014/main" id="{A7DFDD63-82DA-4499-B06F-5F1232474A1E}"/>
+              </a:ext>
+            </a:extLst>
+          </p:cNvPr>
+          <p:cNvSpPr>
+            <a:spLocks noGrp="1"/>
+          </p:cNvSpPr>
+          <p:nvPr>
+            <p:ph type="title"/>
+          </p:nvPr>
+        </p:nvSpPr>
+        <p:spPr/>
+        <p:txBody>
+          <a:bodyPr/>
+          <a:lstStyle/>
+          <a:p>
+            <a:r>
+              <a:rPr lang="en-US" altLang="zh-CN" dirty="0"/>
+              <a:t>Lec03</a:t>
+            </a:r>
+            <a:endParaRPr lang="zh-CN" altLang="en-US" dirty="0"/>
+          </a:p>
+        </p:txBody>
+      </p:sp>
+      <p:sp>
+        <p:nvSpPr>
+          <p:cNvPr id="3" name="内容占位符 2">
+            <a:extLst>
+              <a:ext uri="{FF2B5EF4-FFF2-40B4-BE49-F238E27FC236}">
+                <a16:creationId xmlns:a16="http://schemas.microsoft.com/office/drawing/2014/main" id="{D22DF771-6A2F-4171-AD79-F2C9537F1BA7}"/>
+              </a:ext>
+            </a:extLst>
+          </p:cNvPr>
+          <p:cNvSpPr>
+            <a:spLocks noGrp="1"/>
+          </p:cNvSpPr>
+          <p:nvPr>
+            <p:ph idx="1"/>
+          </p:nvPr>
+        </p:nvSpPr>
+        <p:spPr/>
+        <p:txBody>
+          <a:bodyPr>
+            <a:normAutofit fontScale="92500" lnSpcReduction="10000"/>
+          </a:bodyPr>
           <a:lstStyle/>
           <a:p>
             <a:r>
               <a:rPr lang="zh-CN" altLang="en-US" dirty="0"/>
-              <a:t>作业</a:t>
-            </a:r>
-          </a:p>
-        </p:txBody>
-      </p:sp>
-      <p:sp>
-        <p:nvSpPr>
-          <p:cNvPr id="3" name="副标题 2">
-            <a:extLst>
-              <a:ext uri="{FF2B5EF4-FFF2-40B4-BE49-F238E27FC236}">
-                <a16:creationId xmlns:a16="http://schemas.microsoft.com/office/drawing/2014/main" id="{B731416B-EDCE-4E0B-A87C-FCE1CD801251}"/>
-              </a:ext>
-            </a:extLst>
-          </p:cNvPr>
-          <p:cNvSpPr>
-            <a:spLocks noGrp="1"/>
-          </p:cNvSpPr>
-          <p:nvPr>
-            <p:ph type="subTitle" idx="1"/>
-          </p:nvPr>
-        </p:nvSpPr>
-        <p:spPr/>
-        <p:txBody>
-          <a:bodyPr/>
-          <a:lstStyle/>
-          <a:p>
-            <a:endParaRPr lang="zh-CN" altLang="en-US"/>
+              <a:t>给出指针类型的运算说明。生存期如何？（</a:t>
+            </a:r>
+            <a:r>
+              <a:rPr lang="en-US" altLang="zh-CN" dirty="0"/>
+              <a:t>V</a:t>
+            </a:r>
+            <a:r>
+              <a:rPr lang="zh-CN" altLang="en-US" dirty="0"/>
+              <a:t>，</a:t>
+            </a:r>
+            <a:r>
+              <a:rPr lang="en-US" altLang="zh-CN" dirty="0"/>
+              <a:t>OP</a:t>
+            </a:r>
+            <a:r>
+              <a:rPr lang="zh-CN" altLang="en-US" dirty="0"/>
+              <a:t>）</a:t>
+            </a:r>
+            <a:endParaRPr lang="en-US" altLang="zh-CN" dirty="0"/>
+          </a:p>
+          <a:p>
+            <a:r>
+              <a:rPr lang="zh-CN" altLang="en-US" dirty="0"/>
+              <a:t>静态作用域有无闭包机制，比如</a:t>
+            </a:r>
+            <a:r>
+              <a:rPr lang="en-US" altLang="zh-CN" dirty="0"/>
+              <a:t>basic</a:t>
+            </a:r>
+            <a:r>
+              <a:rPr lang="zh-CN" altLang="en-US" dirty="0"/>
+              <a:t>语言。为什么？</a:t>
+            </a:r>
+            <a:endParaRPr lang="en-US" altLang="zh-CN" dirty="0"/>
+          </a:p>
+          <a:p>
+            <a:r>
+              <a:rPr lang="en-US" altLang="zh-CN" dirty="0"/>
+              <a:t>C</a:t>
+            </a:r>
+            <a:r>
+              <a:rPr lang="zh-CN" altLang="en-US" dirty="0"/>
+              <a:t>语言中，在函数外定义一个</a:t>
+            </a:r>
+            <a:r>
+              <a:rPr lang="en-US" altLang="zh-CN" dirty="0"/>
+              <a:t>static</a:t>
+            </a:r>
+            <a:r>
+              <a:rPr lang="zh-CN" altLang="en-US" dirty="0"/>
+              <a:t>变量和在函数内定义一个</a:t>
+            </a:r>
+            <a:r>
+              <a:rPr lang="en-US" altLang="zh-CN" dirty="0"/>
+              <a:t>static</a:t>
+            </a:r>
+            <a:r>
+              <a:rPr lang="zh-CN" altLang="en-US" dirty="0"/>
+              <a:t>变量的区别是什么？</a:t>
+            </a:r>
+            <a:endParaRPr lang="en-US" altLang="zh-CN" dirty="0"/>
+          </a:p>
+          <a:p>
+            <a:r>
+              <a:rPr lang="zh-CN" altLang="en-US" dirty="0"/>
+              <a:t>考虑下面的</a:t>
+            </a:r>
+            <a:r>
+              <a:rPr lang="en-US" altLang="zh-CN" dirty="0"/>
+              <a:t>C</a:t>
+            </a:r>
+            <a:r>
+              <a:rPr lang="zh-CN" altLang="en-US" dirty="0"/>
+              <a:t>程序：</a:t>
+            </a:r>
+            <a:endParaRPr lang="en-US" altLang="zh-CN" dirty="0"/>
+          </a:p>
+          <a:p>
+            <a:pPr marL="0" indent="0">
+              <a:buNone/>
+            </a:pPr>
+            <a:r>
+              <a:rPr lang="en-US" altLang="zh-CN" dirty="0"/>
+              <a:t>	int fun(int *</a:t>
+            </a:r>
+            <a:r>
+              <a:rPr lang="en-US" altLang="zh-CN" dirty="0" err="1"/>
+              <a:t>i</a:t>
+            </a:r>
+            <a:r>
+              <a:rPr lang="en-US" altLang="zh-CN" dirty="0"/>
+              <a:t>){	*</a:t>
+            </a:r>
+            <a:r>
+              <a:rPr lang="en-US" altLang="zh-CN" dirty="0" err="1"/>
+              <a:t>i</a:t>
+            </a:r>
+            <a:r>
+              <a:rPr lang="en-US" altLang="zh-CN" dirty="0"/>
+              <a:t> += 5;	return 4;}</a:t>
+            </a:r>
+          </a:p>
+          <a:p>
+            <a:pPr marL="0" indent="0">
+              <a:buNone/>
+            </a:pPr>
+            <a:r>
+              <a:rPr lang="en-US" altLang="zh-CN" dirty="0"/>
+              <a:t>	void main(){ int x = 3; 	x=</a:t>
+            </a:r>
+            <a:r>
+              <a:rPr lang="en-US" altLang="zh-CN" dirty="0" err="1"/>
+              <a:t>x+fun</a:t>
+            </a:r>
+            <a:r>
+              <a:rPr lang="en-US" altLang="zh-CN" dirty="0"/>
+              <a:t>(&amp;x);}</a:t>
+            </a:r>
+          </a:p>
+          <a:p>
+            <a:pPr marL="0" indent="0">
+              <a:buNone/>
+            </a:pPr>
+            <a:r>
+              <a:rPr lang="en-US" altLang="zh-CN" dirty="0"/>
+              <a:t>	</a:t>
+            </a:r>
+            <a:r>
+              <a:rPr lang="zh-CN" altLang="en-US" dirty="0"/>
+              <a:t>在</a:t>
+            </a:r>
+            <a:r>
+              <a:rPr lang="en-US" altLang="zh-CN" dirty="0"/>
+              <a:t>main</a:t>
+            </a:r>
+            <a:r>
+              <a:rPr lang="zh-CN" altLang="en-US" dirty="0"/>
+              <a:t>中的赋值语句之后，</a:t>
+            </a:r>
+            <a:r>
+              <a:rPr lang="en-US" altLang="zh-CN" dirty="0"/>
+              <a:t>x</a:t>
+            </a:r>
+            <a:r>
+              <a:rPr lang="zh-CN" altLang="en-US" dirty="0"/>
+              <a:t>的值是什么，假设</a:t>
+            </a:r>
+            <a:endParaRPr lang="en-US" altLang="zh-CN" dirty="0"/>
+          </a:p>
+          <a:p>
+            <a:pPr marL="0" indent="0">
+              <a:buNone/>
+            </a:pPr>
+            <a:r>
+              <a:rPr lang="en-US" altLang="zh-CN" dirty="0"/>
+              <a:t>	a.	</a:t>
+            </a:r>
+            <a:r>
+              <a:rPr lang="zh-CN" altLang="en-US" dirty="0"/>
+              <a:t>操作数是以从左到右的顺序来求值的。</a:t>
+            </a:r>
+            <a:endParaRPr lang="en-US" altLang="zh-CN" dirty="0"/>
+          </a:p>
+          <a:p>
+            <a:pPr marL="0" indent="0">
+              <a:buNone/>
+            </a:pPr>
+            <a:r>
+              <a:rPr lang="en-US" altLang="zh-CN" dirty="0"/>
+              <a:t>	b.	</a:t>
+            </a:r>
+            <a:r>
+              <a:rPr lang="zh-CN" altLang="en-US" dirty="0"/>
+              <a:t>操作数是以从右到左的顺序来求值的。</a:t>
+            </a:r>
           </a:p>
         </p:txBody>
       </p:sp>
     </p:spTree>
     <p:extLst>
       <p:ext uri="{BB962C8B-B14F-4D97-AF65-F5344CB8AC3E}">
-        <p14:creationId xmlns:p14="http://schemas.microsoft.com/office/powerpoint/2010/main" val="49603437"/>
+        <p14:creationId xmlns:p14="http://schemas.microsoft.com/office/powerpoint/2010/main" val="325360047"/>
       </p:ext>
     </p:extLst>
   </p:cSld>
@@ -3419,268 +3594,6 @@
           <p:cNvPr id="2" name="标题 1">
             <a:extLst>
               <a:ext uri="{FF2B5EF4-FFF2-40B4-BE49-F238E27FC236}">
-                <a16:creationId xmlns:a16="http://schemas.microsoft.com/office/drawing/2014/main" id="{A7DFDD63-82DA-4499-B06F-5F1232474A1E}"/>
-              </a:ext>
-            </a:extLst>
-          </p:cNvPr>
-          <p:cNvSpPr>
-            <a:spLocks noGrp="1"/>
-          </p:cNvSpPr>
-          <p:nvPr>
-            <p:ph type="title"/>
-          </p:nvPr>
-        </p:nvSpPr>
-        <p:spPr/>
-        <p:txBody>
-          <a:bodyPr/>
-          <a:lstStyle/>
-          <a:p>
-            <a:r>
-              <a:rPr lang="en-US" altLang="zh-CN" dirty="0"/>
-              <a:t>Lec03</a:t>
-            </a:r>
-            <a:endParaRPr lang="zh-CN" altLang="en-US" dirty="0"/>
-          </a:p>
-        </p:txBody>
-      </p:sp>
-      <p:sp>
-        <p:nvSpPr>
-          <p:cNvPr id="3" name="内容占位符 2">
-            <a:extLst>
-              <a:ext uri="{FF2B5EF4-FFF2-40B4-BE49-F238E27FC236}">
-                <a16:creationId xmlns:a16="http://schemas.microsoft.com/office/drawing/2014/main" id="{D22DF771-6A2F-4171-AD79-F2C9537F1BA7}"/>
-              </a:ext>
-            </a:extLst>
-          </p:cNvPr>
-          <p:cNvSpPr>
-            <a:spLocks noGrp="1"/>
-          </p:cNvSpPr>
-          <p:nvPr>
-            <p:ph idx="1"/>
-          </p:nvPr>
-        </p:nvSpPr>
-        <p:spPr/>
-        <p:txBody>
-          <a:bodyPr>
-            <a:normAutofit fontScale="92500" lnSpcReduction="10000"/>
-          </a:bodyPr>
-          <a:lstStyle/>
-          <a:p>
-            <a:r>
-              <a:rPr lang="zh-CN" altLang="en-US" dirty="0"/>
-              <a:t>给出指针类型的运算说明。生存期如何？（</a:t>
-            </a:r>
-            <a:r>
-              <a:rPr lang="en-US" altLang="zh-CN" dirty="0"/>
-              <a:t>V</a:t>
-            </a:r>
-            <a:r>
-              <a:rPr lang="zh-CN" altLang="en-US" dirty="0"/>
-              <a:t>，</a:t>
-            </a:r>
-            <a:r>
-              <a:rPr lang="en-US" altLang="zh-CN" dirty="0"/>
-              <a:t>OP</a:t>
-            </a:r>
-            <a:r>
-              <a:rPr lang="zh-CN" altLang="en-US" dirty="0"/>
-              <a:t>）</a:t>
-            </a:r>
-            <a:endParaRPr lang="en-US" altLang="zh-CN" dirty="0"/>
-          </a:p>
-          <a:p>
-            <a:r>
-              <a:rPr lang="zh-CN" altLang="en-US" dirty="0"/>
-              <a:t>静态作用域有无闭包机制，比如</a:t>
-            </a:r>
-            <a:r>
-              <a:rPr lang="en-US" altLang="zh-CN" dirty="0"/>
-              <a:t>basic</a:t>
-            </a:r>
-            <a:r>
-              <a:rPr lang="zh-CN" altLang="en-US" dirty="0"/>
-              <a:t>语言。为什么？</a:t>
-            </a:r>
-            <a:endParaRPr lang="en-US" altLang="zh-CN" dirty="0"/>
-          </a:p>
-          <a:p>
-            <a:r>
-              <a:rPr lang="en-US" altLang="zh-CN" dirty="0"/>
-              <a:t>C</a:t>
-            </a:r>
-            <a:r>
-              <a:rPr lang="zh-CN" altLang="en-US" dirty="0"/>
-              <a:t>语言中，在函数外定义一个</a:t>
-            </a:r>
-            <a:r>
-              <a:rPr lang="en-US" altLang="zh-CN" dirty="0"/>
-              <a:t>static</a:t>
-            </a:r>
-            <a:r>
-              <a:rPr lang="zh-CN" altLang="en-US" dirty="0"/>
-              <a:t>变量和在函数内定义一个</a:t>
-            </a:r>
-            <a:r>
-              <a:rPr lang="en-US" altLang="zh-CN" dirty="0"/>
-              <a:t>static</a:t>
-            </a:r>
-            <a:r>
-              <a:rPr lang="zh-CN" altLang="en-US" dirty="0"/>
-              <a:t>变量的区别是什么？</a:t>
-            </a:r>
-            <a:endParaRPr lang="en-US" altLang="zh-CN" dirty="0"/>
-          </a:p>
-          <a:p>
-            <a:r>
-              <a:rPr lang="zh-CN" altLang="en-US" dirty="0"/>
-              <a:t>考虑下面的</a:t>
-            </a:r>
-            <a:r>
-              <a:rPr lang="en-US" altLang="zh-CN" dirty="0"/>
-              <a:t>C</a:t>
-            </a:r>
-            <a:r>
-              <a:rPr lang="zh-CN" altLang="en-US" dirty="0"/>
-              <a:t>程序：</a:t>
-            </a:r>
-            <a:endParaRPr lang="en-US" altLang="zh-CN" dirty="0"/>
-          </a:p>
-          <a:p>
-            <a:pPr marL="0" indent="0">
-              <a:buNone/>
-            </a:pPr>
-            <a:r>
-              <a:rPr lang="en-US" altLang="zh-CN" dirty="0"/>
-              <a:t>	int fun(int *</a:t>
-            </a:r>
-            <a:r>
-              <a:rPr lang="en-US" altLang="zh-CN" dirty="0" err="1"/>
-              <a:t>i</a:t>
-            </a:r>
-            <a:r>
-              <a:rPr lang="en-US" altLang="zh-CN" dirty="0"/>
-              <a:t>){	*</a:t>
-            </a:r>
-            <a:r>
-              <a:rPr lang="en-US" altLang="zh-CN" dirty="0" err="1"/>
-              <a:t>i</a:t>
-            </a:r>
-            <a:r>
-              <a:rPr lang="en-US" altLang="zh-CN" dirty="0"/>
-              <a:t> += 5;	return 4;}</a:t>
-            </a:r>
-          </a:p>
-          <a:p>
-            <a:pPr marL="0" indent="0">
-              <a:buNone/>
-            </a:pPr>
-            <a:r>
-              <a:rPr lang="en-US" altLang="zh-CN" dirty="0"/>
-              <a:t>	void main(){ int x = 3; 	x=</a:t>
-            </a:r>
-            <a:r>
-              <a:rPr lang="en-US" altLang="zh-CN" dirty="0" err="1"/>
-              <a:t>x+fun</a:t>
-            </a:r>
-            <a:r>
-              <a:rPr lang="en-US" altLang="zh-CN" dirty="0"/>
-              <a:t>(&amp;x);}</a:t>
-            </a:r>
-          </a:p>
-          <a:p>
-            <a:pPr marL="0" indent="0">
-              <a:buNone/>
-            </a:pPr>
-            <a:r>
-              <a:rPr lang="en-US" altLang="zh-CN" dirty="0"/>
-              <a:t>	</a:t>
-            </a:r>
-            <a:r>
-              <a:rPr lang="zh-CN" altLang="en-US" dirty="0"/>
-              <a:t>在</a:t>
-            </a:r>
-            <a:r>
-              <a:rPr lang="en-US" altLang="zh-CN" dirty="0"/>
-              <a:t>main</a:t>
-            </a:r>
-            <a:r>
-              <a:rPr lang="zh-CN" altLang="en-US" dirty="0"/>
-              <a:t>中的赋值语句之后，</a:t>
-            </a:r>
-            <a:r>
-              <a:rPr lang="en-US" altLang="zh-CN" dirty="0"/>
-              <a:t>x</a:t>
-            </a:r>
-            <a:r>
-              <a:rPr lang="zh-CN" altLang="en-US" dirty="0"/>
-              <a:t>的值是什么，假设</a:t>
-            </a:r>
-            <a:endParaRPr lang="en-US" altLang="zh-CN" dirty="0"/>
-          </a:p>
-          <a:p>
-            <a:pPr marL="0" indent="0">
-              <a:buNone/>
-            </a:pPr>
-            <a:r>
-              <a:rPr lang="en-US" altLang="zh-CN" dirty="0"/>
-              <a:t>	a.	</a:t>
-            </a:r>
-            <a:r>
-              <a:rPr lang="zh-CN" altLang="en-US" dirty="0"/>
-              <a:t>操作数是以从左到右的顺序来求值的。</a:t>
-            </a:r>
-            <a:endParaRPr lang="en-US" altLang="zh-CN" dirty="0"/>
-          </a:p>
-          <a:p>
-            <a:pPr marL="0" indent="0">
-              <a:buNone/>
-            </a:pPr>
-            <a:r>
-              <a:rPr lang="en-US" altLang="zh-CN" dirty="0"/>
-              <a:t>	b.	</a:t>
-            </a:r>
-            <a:r>
-              <a:rPr lang="zh-CN" altLang="en-US" dirty="0"/>
-              <a:t>操作数是以从右到左的顺序来求值的。</a:t>
-            </a:r>
-          </a:p>
-        </p:txBody>
-      </p:sp>
-    </p:spTree>
-    <p:extLst>
-      <p:ext uri="{BB962C8B-B14F-4D97-AF65-F5344CB8AC3E}">
-        <p14:creationId xmlns:p14="http://schemas.microsoft.com/office/powerpoint/2010/main" val="325360047"/>
-      </p:ext>
-    </p:extLst>
-  </p:cSld>
-  <p:clrMapOvr>
-    <a:masterClrMapping/>
-  </p:clrMapOvr>
-</p:sld>
-</file>
-
-<file path=ppt/slides/slide3.xml><?xml version="1.0" encoding="utf-8"?>
-<p:sld xmlns:a="http://schemas.openxmlformats.org/drawingml/2006/main" xmlns:r="http://schemas.openxmlformats.org/officeDocument/2006/relationships" xmlns:p="http://schemas.openxmlformats.org/presentationml/2006/main">
-  <p:cSld>
-    <p:spTree>
-      <p:nvGrpSpPr>
-        <p:cNvPr id="1" name=""/>
-        <p:cNvGrpSpPr/>
-        <p:nvPr/>
-      </p:nvGrpSpPr>
-      <p:grpSpPr>
-        <a:xfrm>
-          <a:off x="0" y="0"/>
-          <a:ext cx="0" cy="0"/>
-          <a:chOff x="0" y="0"/>
-          <a:chExt cx="0" cy="0"/>
-        </a:xfrm>
-      </p:grpSpPr>
-      <p:sp>
-        <p:nvSpPr>
-          <p:cNvPr id="2" name="标题 1">
-            <a:extLst>
-              <a:ext uri="{FF2B5EF4-FFF2-40B4-BE49-F238E27FC236}">
                 <a16:creationId xmlns:a16="http://schemas.microsoft.com/office/drawing/2014/main" id="{75D88021-0853-4D28-AC76-23DB83E2308A}"/>
               </a:ext>
             </a:extLst>
@@ -3884,7 +3797,7 @@
           <a:p>
             <a:fld id="{73EACCBA-2B8E-C843-BA3D-1AB655D40860}" type="slidenum">
               <a:rPr kumimoji="1" lang="zh-CN" altLang="en-US" smtClean="0"/>
-              <a:t>3</a:t>
+              <a:t>2</a:t>
             </a:fld>
             <a:endParaRPr kumimoji="1" lang="zh-CN" altLang="en-US"/>
           </a:p>
@@ -3894,1440 +3807,6 @@
     <p:extLst>
       <p:ext uri="{BB962C8B-B14F-4D97-AF65-F5344CB8AC3E}">
         <p14:creationId xmlns:p14="http://schemas.microsoft.com/office/powerpoint/2010/main" val="1620606754"/>
-      </p:ext>
-    </p:extLst>
-  </p:cSld>
-  <p:clrMapOvr>
-    <a:masterClrMapping/>
-  </p:clrMapOvr>
-</p:sld>
-</file>
-
-<file path=ppt/slides/slide4.xml><?xml version="1.0" encoding="utf-8"?>
-<p:sld xmlns:a="http://schemas.openxmlformats.org/drawingml/2006/main" xmlns:r="http://schemas.openxmlformats.org/officeDocument/2006/relationships" xmlns:p="http://schemas.openxmlformats.org/presentationml/2006/main">
-  <p:cSld>
-    <p:spTree>
-      <p:nvGrpSpPr>
-        <p:cNvPr id="1" name=""/>
-        <p:cNvGrpSpPr/>
-        <p:nvPr/>
-      </p:nvGrpSpPr>
-      <p:grpSpPr>
-        <a:xfrm>
-          <a:off x="0" y="0"/>
-          <a:ext cx="0" cy="0"/>
-          <a:chOff x="0" y="0"/>
-          <a:chExt cx="0" cy="0"/>
-        </a:xfrm>
-      </p:grpSpPr>
-      <p:sp>
-        <p:nvSpPr>
-          <p:cNvPr id="2" name="标题 1">
-            <a:extLst>
-              <a:ext uri="{FF2B5EF4-FFF2-40B4-BE49-F238E27FC236}">
-                <a16:creationId xmlns:a16="http://schemas.microsoft.com/office/drawing/2014/main" id="{B8B44A88-D9AF-4D5B-B2DA-D81756948EA6}"/>
-              </a:ext>
-            </a:extLst>
-          </p:cNvPr>
-          <p:cNvSpPr>
-            <a:spLocks noGrp="1"/>
-          </p:cNvSpPr>
-          <p:nvPr>
-            <p:ph type="title"/>
-          </p:nvPr>
-        </p:nvSpPr>
-        <p:spPr/>
-        <p:txBody>
-          <a:bodyPr/>
-          <a:lstStyle/>
-          <a:p>
-            <a:r>
-              <a:rPr lang="en-US" altLang="zh-CN" dirty="0"/>
-              <a:t>Lec02</a:t>
-            </a:r>
-            <a:r>
-              <a:rPr lang="zh-CN" altLang="en-US" dirty="0"/>
-              <a:t>作业：</a:t>
-            </a:r>
-          </a:p>
-        </p:txBody>
-      </p:sp>
-      <p:sp>
-        <p:nvSpPr>
-          <p:cNvPr id="3" name="内容占位符 2">
-            <a:extLst>
-              <a:ext uri="{FF2B5EF4-FFF2-40B4-BE49-F238E27FC236}">
-                <a16:creationId xmlns:a16="http://schemas.microsoft.com/office/drawing/2014/main" id="{0C76A666-2201-4B0F-BD00-DDBE6CA3226D}"/>
-              </a:ext>
-            </a:extLst>
-          </p:cNvPr>
-          <p:cNvSpPr>
-            <a:spLocks noGrp="1"/>
-          </p:cNvSpPr>
-          <p:nvPr>
-            <p:ph idx="1"/>
-          </p:nvPr>
-        </p:nvSpPr>
-        <p:spPr/>
-        <p:txBody>
-          <a:bodyPr/>
-          <a:lstStyle/>
-          <a:p>
-            <a:pPr>
-              <a:lnSpc>
-                <a:spcPct val="150000"/>
-              </a:lnSpc>
-            </a:pPr>
-            <a:r>
-              <a:rPr lang="zh-CN" altLang="en-US" sz="3600" dirty="0">
-                <a:solidFill>
-                  <a:schemeClr val="tx1"/>
-                </a:solidFill>
-              </a:rPr>
-              <a:t>根据课堂讲义</a:t>
-            </a:r>
-            <a:r>
-              <a:rPr lang="en-US" altLang="zh-CN" sz="3600" dirty="0">
-                <a:solidFill>
-                  <a:schemeClr val="tx1"/>
-                </a:solidFill>
-              </a:rPr>
-              <a:t>P49-P50</a:t>
-            </a:r>
-            <a:r>
-              <a:rPr lang="zh-CN" altLang="en-US" sz="3600" dirty="0">
-                <a:solidFill>
-                  <a:schemeClr val="tx1"/>
-                </a:solidFill>
-              </a:rPr>
-              <a:t>中</a:t>
-            </a:r>
-            <a:r>
-              <a:rPr lang="en-US" altLang="zh-CN" sz="3600" dirty="0">
-                <a:solidFill>
-                  <a:schemeClr val="tx1"/>
-                </a:solidFill>
-              </a:rPr>
-              <a:t>BNF</a:t>
-            </a:r>
-            <a:r>
-              <a:rPr lang="zh-CN" altLang="en-US" sz="3600" dirty="0"/>
-              <a:t>所描述的“</a:t>
-            </a:r>
-            <a:r>
-              <a:rPr lang="en-US" altLang="zh-CN" sz="3600" dirty="0"/>
-              <a:t>program</a:t>
-            </a:r>
-            <a:r>
-              <a:rPr lang="zh-CN" altLang="en-US" sz="3600" dirty="0"/>
-              <a:t>”文法，</a:t>
-            </a:r>
-            <a:r>
-              <a:rPr lang="zh-CN" altLang="en-US" sz="3600" dirty="0">
-                <a:solidFill>
-                  <a:schemeClr val="tx1"/>
-                </a:solidFill>
-              </a:rPr>
-              <a:t>针对上述</a:t>
-            </a:r>
-            <a:r>
-              <a:rPr lang="zh-CN" altLang="en-US" sz="3600" b="1" u="sng" dirty="0">
-                <a:solidFill>
-                  <a:schemeClr val="tx1"/>
-                </a:solidFill>
-              </a:rPr>
-              <a:t>每个产生式</a:t>
-            </a:r>
-            <a:r>
-              <a:rPr lang="zh-CN" altLang="en-US" sz="3600" dirty="0">
-                <a:solidFill>
-                  <a:schemeClr val="tx1"/>
-                </a:solidFill>
-              </a:rPr>
-              <a:t>，给出一组满足规则的语言实例，要求覆盖基本分支。既一个产生式至少给出一个满足该文法的字符串示例。</a:t>
-            </a:r>
-            <a:endParaRPr lang="en-US" altLang="zh-CN" sz="3600" dirty="0">
-              <a:solidFill>
-                <a:schemeClr val="tx1"/>
-              </a:solidFill>
-            </a:endParaRPr>
-          </a:p>
-        </p:txBody>
-      </p:sp>
-      <p:sp>
-        <p:nvSpPr>
-          <p:cNvPr id="4" name="灯片编号占位符 3">
-            <a:extLst>
-              <a:ext uri="{FF2B5EF4-FFF2-40B4-BE49-F238E27FC236}">
-                <a16:creationId xmlns:a16="http://schemas.microsoft.com/office/drawing/2014/main" id="{6980E69C-21B5-4046-9B27-D66D5594852D}"/>
-              </a:ext>
-            </a:extLst>
-          </p:cNvPr>
-          <p:cNvSpPr>
-            <a:spLocks noGrp="1"/>
-          </p:cNvSpPr>
-          <p:nvPr>
-            <p:ph type="sldNum" sz="quarter" idx="12"/>
-          </p:nvPr>
-        </p:nvSpPr>
-        <p:spPr/>
-        <p:txBody>
-          <a:bodyPr/>
-          <a:lstStyle/>
-          <a:p>
-            <a:pPr rtl="0"/>
-            <a:fld id="{D57F1E4F-1CFF-5643-939E-217C01CDF565}" type="slidenum">
-              <a:rPr lang="en-US" altLang="zh-CN" noProof="0" smtClean="0"/>
-              <a:pPr rtl="0"/>
-              <a:t>4</a:t>
-            </a:fld>
-            <a:endParaRPr lang="zh-CN" altLang="en-US" noProof="0" dirty="0"/>
-          </a:p>
-        </p:txBody>
-      </p:sp>
-    </p:spTree>
-    <p:extLst>
-      <p:ext uri="{BB962C8B-B14F-4D97-AF65-F5344CB8AC3E}">
-        <p14:creationId xmlns:p14="http://schemas.microsoft.com/office/powerpoint/2010/main" val="1077662086"/>
-      </p:ext>
-    </p:extLst>
-  </p:cSld>
-  <p:clrMapOvr>
-    <a:masterClrMapping/>
-  </p:clrMapOvr>
-</p:sld>
-</file>
-
-<file path=ppt/slides/slide5.xml><?xml version="1.0" encoding="utf-8"?>
-<p:sld xmlns:a="http://schemas.openxmlformats.org/drawingml/2006/main" xmlns:r="http://schemas.openxmlformats.org/officeDocument/2006/relationships" xmlns:p="http://schemas.openxmlformats.org/presentationml/2006/main">
-  <p:cSld>
-    <p:spTree>
-      <p:nvGrpSpPr>
-        <p:cNvPr id="1" name=""/>
-        <p:cNvGrpSpPr/>
-        <p:nvPr/>
-      </p:nvGrpSpPr>
-      <p:grpSpPr>
-        <a:xfrm>
-          <a:off x="0" y="0"/>
-          <a:ext cx="0" cy="0"/>
-          <a:chOff x="0" y="0"/>
-          <a:chExt cx="0" cy="0"/>
-        </a:xfrm>
-      </p:grpSpPr>
-      <p:sp>
-        <p:nvSpPr>
-          <p:cNvPr id="4" name="灯片编号占位符 3">
-            <a:extLst>
-              <a:ext uri="{FF2B5EF4-FFF2-40B4-BE49-F238E27FC236}">
-                <a16:creationId xmlns:a16="http://schemas.microsoft.com/office/drawing/2014/main" id="{088ED61E-E217-0C4C-94A1-33137150A5E2}"/>
-              </a:ext>
-            </a:extLst>
-          </p:cNvPr>
-          <p:cNvSpPr>
-            <a:spLocks noGrp="1"/>
-          </p:cNvSpPr>
-          <p:nvPr>
-            <p:ph type="sldNum" sz="quarter" idx="12"/>
-          </p:nvPr>
-        </p:nvSpPr>
-        <p:spPr/>
-        <p:txBody>
-          <a:bodyPr/>
-          <a:lstStyle/>
-          <a:p>
-            <a:pPr rtl="0"/>
-            <a:fld id="{D57F1E4F-1CFF-5643-939E-217C01CDF565}" type="slidenum">
-              <a:rPr lang="en-US" altLang="zh-CN" noProof="0" smtClean="0"/>
-              <a:pPr rtl="0"/>
-              <a:t>5</a:t>
-            </a:fld>
-            <a:endParaRPr lang="zh-CN" altLang="en-US" noProof="0" dirty="0"/>
-          </a:p>
-        </p:txBody>
-      </p:sp>
-      <p:sp>
-        <p:nvSpPr>
-          <p:cNvPr id="3" name="内容占位符 2">
-            <a:extLst>
-              <a:ext uri="{FF2B5EF4-FFF2-40B4-BE49-F238E27FC236}">
-                <a16:creationId xmlns:a16="http://schemas.microsoft.com/office/drawing/2014/main" id="{62C276D8-1640-874F-B1B8-337F1DAC86E7}"/>
-              </a:ext>
-            </a:extLst>
-          </p:cNvPr>
-          <p:cNvSpPr>
-            <a:spLocks noGrp="1"/>
-          </p:cNvSpPr>
-          <p:nvPr>
-            <p:ph idx="4294967295"/>
-          </p:nvPr>
-        </p:nvSpPr>
-        <p:spPr>
-          <a:xfrm>
-            <a:off x="483220" y="473947"/>
-            <a:ext cx="11029950" cy="6300926"/>
-          </a:xfrm>
-        </p:spPr>
-        <p:txBody>
-          <a:bodyPr>
-            <a:normAutofit fontScale="85000" lnSpcReduction="20000"/>
-          </a:bodyPr>
-          <a:lstStyle/>
-          <a:p>
-            <a:pPr>
-              <a:lnSpc>
-                <a:spcPct val="150000"/>
-              </a:lnSpc>
-            </a:pPr>
-            <a:r>
-              <a:rPr lang="en-US" altLang="zh-CN" sz="2400" dirty="0">
-                <a:solidFill>
-                  <a:schemeClr val="tx1"/>
-                </a:solidFill>
-                <a:latin typeface="Microsoft YaHei" panose="020B0503020204020204" pitchFamily="34" charset="-122"/>
-                <a:ea typeface="Microsoft YaHei" panose="020B0503020204020204" pitchFamily="34" charset="-122"/>
-              </a:rPr>
-              <a:t>2.5 </a:t>
-            </a:r>
-            <a:r>
-              <a:rPr lang="zh-CN" altLang="zh-CN" sz="2400" dirty="0">
-                <a:solidFill>
-                  <a:schemeClr val="tx1"/>
-                </a:solidFill>
-                <a:latin typeface="Microsoft YaHei" panose="020B0503020204020204" pitchFamily="34" charset="-122"/>
-                <a:ea typeface="Microsoft YaHei" panose="020B0503020204020204" pitchFamily="34" charset="-122"/>
-              </a:rPr>
-              <a:t>将以下</a:t>
-            </a:r>
-            <a:r>
-              <a:rPr lang="en-US" altLang="zh-CN" sz="2400" dirty="0">
-                <a:solidFill>
-                  <a:schemeClr val="tx1"/>
-                </a:solidFill>
-                <a:latin typeface="Microsoft YaHei" panose="020B0503020204020204" pitchFamily="34" charset="-122"/>
-                <a:ea typeface="Microsoft YaHei" panose="020B0503020204020204" pitchFamily="34" charset="-122"/>
-              </a:rPr>
-              <a:t>BNF</a:t>
-            </a:r>
-            <a:r>
-              <a:rPr lang="zh-CN" altLang="zh-CN" sz="2400" dirty="0">
-                <a:solidFill>
-                  <a:schemeClr val="tx1"/>
-                </a:solidFill>
-                <a:latin typeface="Microsoft YaHei" panose="020B0503020204020204" pitchFamily="34" charset="-122"/>
-                <a:ea typeface="Microsoft YaHei" panose="020B0503020204020204" pitchFamily="34" charset="-122"/>
-              </a:rPr>
-              <a:t>表示的</a:t>
-            </a:r>
-            <a:r>
-              <a:rPr lang="en-US" altLang="zh-CN" sz="2400" dirty="0">
-                <a:solidFill>
-                  <a:schemeClr val="tx1"/>
-                </a:solidFill>
-                <a:latin typeface="Microsoft YaHei" panose="020B0503020204020204" pitchFamily="34" charset="-122"/>
-                <a:ea typeface="Microsoft YaHei" panose="020B0503020204020204" pitchFamily="34" charset="-122"/>
-              </a:rPr>
-              <a:t>Algol60</a:t>
-            </a:r>
-            <a:r>
-              <a:rPr lang="zh-CN" altLang="zh-CN" sz="2400" dirty="0">
-                <a:solidFill>
-                  <a:schemeClr val="tx1"/>
-                </a:solidFill>
-                <a:latin typeface="Microsoft YaHei" panose="020B0503020204020204" pitchFamily="34" charset="-122"/>
-                <a:ea typeface="Microsoft YaHei" panose="020B0503020204020204" pitchFamily="34" charset="-122"/>
-              </a:rPr>
-              <a:t>部分产生式画成语法图</a:t>
-            </a:r>
-            <a:endParaRPr lang="en-US" altLang="zh-CN" sz="2400" dirty="0">
-              <a:solidFill>
-                <a:schemeClr val="tx1"/>
-              </a:solidFill>
-              <a:latin typeface="Microsoft YaHei" panose="020B0503020204020204" pitchFamily="34" charset="-122"/>
-              <a:ea typeface="Microsoft YaHei" panose="020B0503020204020204" pitchFamily="34" charset="-122"/>
-            </a:endParaRPr>
-          </a:p>
-          <a:p>
-            <a:pPr marL="0" indent="0">
-              <a:buNone/>
-            </a:pPr>
-            <a:r>
-              <a:rPr lang="en-US" altLang="zh-CN" sz="2400" dirty="0">
-                <a:solidFill>
-                  <a:schemeClr val="tx1"/>
-                </a:solidFill>
-                <a:latin typeface="Microsoft YaHei" panose="020B0503020204020204" pitchFamily="34" charset="-122"/>
-                <a:ea typeface="Microsoft YaHei" panose="020B0503020204020204" pitchFamily="34" charset="-122"/>
-              </a:rPr>
-              <a:t>&lt;unsigned integer&gt; </a:t>
-            </a:r>
-            <a:r>
-              <a:rPr lang="zh-CN" altLang="zh-CN" sz="2400" dirty="0">
-                <a:solidFill>
-                  <a:schemeClr val="tx1"/>
-                </a:solidFill>
-                <a:latin typeface="Microsoft YaHei" panose="020B0503020204020204" pitchFamily="34" charset="-122"/>
-                <a:ea typeface="Microsoft YaHei" panose="020B0503020204020204" pitchFamily="34" charset="-122"/>
-              </a:rPr>
-              <a:t>：：</a:t>
-            </a:r>
-            <a:r>
-              <a:rPr lang="en-US" altLang="zh-CN" sz="2400" dirty="0">
-                <a:solidFill>
-                  <a:schemeClr val="tx1"/>
-                </a:solidFill>
-                <a:latin typeface="Microsoft YaHei" panose="020B0503020204020204" pitchFamily="34" charset="-122"/>
-                <a:ea typeface="Microsoft YaHei" panose="020B0503020204020204" pitchFamily="34" charset="-122"/>
-              </a:rPr>
-              <a:t>= &lt;digit&gt;</a:t>
-            </a:r>
-            <a:endParaRPr lang="zh-CN" altLang="zh-CN" sz="2400" dirty="0">
-              <a:solidFill>
-                <a:schemeClr val="tx1"/>
-              </a:solidFill>
-              <a:latin typeface="Microsoft YaHei" panose="020B0503020204020204" pitchFamily="34" charset="-122"/>
-              <a:ea typeface="Microsoft YaHei" panose="020B0503020204020204" pitchFamily="34" charset="-122"/>
-            </a:endParaRPr>
-          </a:p>
-          <a:p>
-            <a:pPr marL="0" indent="0">
-              <a:buNone/>
-            </a:pPr>
-            <a:r>
-              <a:rPr lang="en-US" altLang="zh-CN" sz="2400" dirty="0">
-                <a:solidFill>
-                  <a:schemeClr val="tx1"/>
-                </a:solidFill>
-                <a:latin typeface="Microsoft YaHei" panose="020B0503020204020204" pitchFamily="34" charset="-122"/>
-                <a:ea typeface="Microsoft YaHei" panose="020B0503020204020204" pitchFamily="34" charset="-122"/>
-              </a:rPr>
-              <a:t>                            | &lt;unsigned integer&gt; &lt;digit&gt;</a:t>
-            </a:r>
-            <a:endParaRPr lang="zh-CN" altLang="zh-CN" sz="2400" dirty="0">
-              <a:solidFill>
-                <a:schemeClr val="tx1"/>
-              </a:solidFill>
-              <a:latin typeface="Microsoft YaHei" panose="020B0503020204020204" pitchFamily="34" charset="-122"/>
-              <a:ea typeface="Microsoft YaHei" panose="020B0503020204020204" pitchFamily="34" charset="-122"/>
-            </a:endParaRPr>
-          </a:p>
-          <a:p>
-            <a:pPr marL="0" indent="0">
-              <a:buNone/>
-            </a:pPr>
-            <a:r>
-              <a:rPr lang="en-US" altLang="zh-CN" sz="2400" dirty="0">
-                <a:solidFill>
-                  <a:schemeClr val="tx1"/>
-                </a:solidFill>
-                <a:latin typeface="Microsoft YaHei" panose="020B0503020204020204" pitchFamily="34" charset="-122"/>
-                <a:ea typeface="Microsoft YaHei" panose="020B0503020204020204" pitchFamily="34" charset="-122"/>
-              </a:rPr>
-              <a:t>     &lt;integer&gt; </a:t>
-            </a:r>
-            <a:r>
-              <a:rPr lang="zh-CN" altLang="zh-CN" sz="2400" dirty="0">
-                <a:solidFill>
-                  <a:schemeClr val="tx1"/>
-                </a:solidFill>
-                <a:latin typeface="Microsoft YaHei" panose="020B0503020204020204" pitchFamily="34" charset="-122"/>
-                <a:ea typeface="Microsoft YaHei" panose="020B0503020204020204" pitchFamily="34" charset="-122"/>
-              </a:rPr>
-              <a:t>：：</a:t>
-            </a:r>
-            <a:r>
-              <a:rPr lang="en-US" altLang="zh-CN" sz="2400" dirty="0">
-                <a:solidFill>
-                  <a:schemeClr val="tx1"/>
-                </a:solidFill>
-                <a:latin typeface="Microsoft YaHei" panose="020B0503020204020204" pitchFamily="34" charset="-122"/>
-                <a:ea typeface="Microsoft YaHei" panose="020B0503020204020204" pitchFamily="34" charset="-122"/>
-              </a:rPr>
-              <a:t>= +&lt;unsigned integer&gt;</a:t>
-            </a:r>
-            <a:endParaRPr lang="zh-CN" altLang="zh-CN" sz="2400" dirty="0">
-              <a:solidFill>
-                <a:schemeClr val="tx1"/>
-              </a:solidFill>
-              <a:latin typeface="Microsoft YaHei" panose="020B0503020204020204" pitchFamily="34" charset="-122"/>
-              <a:ea typeface="Microsoft YaHei" panose="020B0503020204020204" pitchFamily="34" charset="-122"/>
-            </a:endParaRPr>
-          </a:p>
-          <a:p>
-            <a:pPr marL="0" indent="0">
-              <a:buNone/>
-            </a:pPr>
-            <a:r>
-              <a:rPr lang="en-US" altLang="zh-CN" sz="2400" dirty="0">
-                <a:solidFill>
-                  <a:schemeClr val="tx1"/>
-                </a:solidFill>
-                <a:latin typeface="Microsoft YaHei" panose="020B0503020204020204" pitchFamily="34" charset="-122"/>
-                <a:ea typeface="Microsoft YaHei" panose="020B0503020204020204" pitchFamily="34" charset="-122"/>
-              </a:rPr>
-              <a:t>                    | -&lt;unsigned integer&gt;</a:t>
-            </a:r>
-            <a:endParaRPr lang="zh-CN" altLang="zh-CN" sz="2400" dirty="0">
-              <a:solidFill>
-                <a:schemeClr val="tx1"/>
-              </a:solidFill>
-              <a:latin typeface="Microsoft YaHei" panose="020B0503020204020204" pitchFamily="34" charset="-122"/>
-              <a:ea typeface="Microsoft YaHei" panose="020B0503020204020204" pitchFamily="34" charset="-122"/>
-            </a:endParaRPr>
-          </a:p>
-          <a:p>
-            <a:pPr marL="0" indent="0">
-              <a:buNone/>
-            </a:pPr>
-            <a:r>
-              <a:rPr lang="en-US" altLang="zh-CN" sz="2400" dirty="0">
-                <a:solidFill>
-                  <a:schemeClr val="tx1"/>
-                </a:solidFill>
-                <a:latin typeface="Microsoft YaHei" panose="020B0503020204020204" pitchFamily="34" charset="-122"/>
-                <a:ea typeface="Microsoft YaHei" panose="020B0503020204020204" pitchFamily="34" charset="-122"/>
-              </a:rPr>
-              <a:t>                    |  &lt;unsigned integer&gt;</a:t>
-            </a:r>
-            <a:endParaRPr lang="zh-CN" altLang="zh-CN" sz="2400" dirty="0">
-              <a:solidFill>
-                <a:schemeClr val="tx1"/>
-              </a:solidFill>
-              <a:latin typeface="Microsoft YaHei" panose="020B0503020204020204" pitchFamily="34" charset="-122"/>
-              <a:ea typeface="Microsoft YaHei" panose="020B0503020204020204" pitchFamily="34" charset="-122"/>
-            </a:endParaRPr>
-          </a:p>
-          <a:p>
-            <a:pPr marL="0" indent="0">
-              <a:buNone/>
-            </a:pPr>
-            <a:r>
-              <a:rPr lang="en-US" altLang="zh-CN" sz="2400" dirty="0">
-                <a:solidFill>
-                  <a:schemeClr val="tx1"/>
-                </a:solidFill>
-                <a:latin typeface="Microsoft YaHei" panose="020B0503020204020204" pitchFamily="34" charset="-122"/>
-                <a:ea typeface="Microsoft YaHei" panose="020B0503020204020204" pitchFamily="34" charset="-122"/>
-              </a:rPr>
-              <a:t>     &lt;decimal fraction&gt; </a:t>
-            </a:r>
-            <a:r>
-              <a:rPr lang="zh-CN" altLang="zh-CN" sz="2400" dirty="0">
-                <a:solidFill>
-                  <a:schemeClr val="tx1"/>
-                </a:solidFill>
-                <a:latin typeface="Microsoft YaHei" panose="020B0503020204020204" pitchFamily="34" charset="-122"/>
-                <a:ea typeface="Microsoft YaHei" panose="020B0503020204020204" pitchFamily="34" charset="-122"/>
-              </a:rPr>
-              <a:t>：：</a:t>
-            </a:r>
-            <a:r>
-              <a:rPr lang="en-US" altLang="zh-CN" sz="2400" dirty="0">
-                <a:solidFill>
-                  <a:schemeClr val="tx1"/>
-                </a:solidFill>
-                <a:latin typeface="Microsoft YaHei" panose="020B0503020204020204" pitchFamily="34" charset="-122"/>
-                <a:ea typeface="Microsoft YaHei" panose="020B0503020204020204" pitchFamily="34" charset="-122"/>
-              </a:rPr>
-              <a:t>= . &lt;unsigned integer&gt;</a:t>
-            </a:r>
-            <a:endParaRPr lang="zh-CN" altLang="zh-CN" sz="2400" dirty="0">
-              <a:solidFill>
-                <a:schemeClr val="tx1"/>
-              </a:solidFill>
-              <a:latin typeface="Microsoft YaHei" panose="020B0503020204020204" pitchFamily="34" charset="-122"/>
-              <a:ea typeface="Microsoft YaHei" panose="020B0503020204020204" pitchFamily="34" charset="-122"/>
-            </a:endParaRPr>
-          </a:p>
-          <a:p>
-            <a:pPr marL="0" indent="0">
-              <a:lnSpc>
-                <a:spcPct val="120000"/>
-              </a:lnSpc>
-              <a:buNone/>
-            </a:pPr>
-            <a:r>
-              <a:rPr lang="en-US" altLang="zh-CN" sz="2400" dirty="0">
-                <a:solidFill>
-                  <a:schemeClr val="tx1"/>
-                </a:solidFill>
-                <a:latin typeface="Microsoft YaHei" panose="020B0503020204020204" pitchFamily="34" charset="-122"/>
-                <a:ea typeface="Microsoft YaHei" panose="020B0503020204020204" pitchFamily="34" charset="-122"/>
-              </a:rPr>
-              <a:t>     &lt;exponent part&gt; </a:t>
-            </a:r>
-            <a:r>
-              <a:rPr lang="zh-CN" altLang="zh-CN" sz="2400" dirty="0">
-                <a:solidFill>
-                  <a:schemeClr val="tx1"/>
-                </a:solidFill>
-                <a:latin typeface="Microsoft YaHei" panose="020B0503020204020204" pitchFamily="34" charset="-122"/>
-                <a:ea typeface="Microsoft YaHei" panose="020B0503020204020204" pitchFamily="34" charset="-122"/>
-              </a:rPr>
-              <a:t>：：</a:t>
-            </a:r>
-            <a:r>
-              <a:rPr lang="en-US" altLang="zh-CN" sz="2400" dirty="0">
-                <a:solidFill>
-                  <a:schemeClr val="tx1"/>
-                </a:solidFill>
-                <a:latin typeface="Microsoft YaHei" panose="020B0503020204020204" pitchFamily="34" charset="-122"/>
-                <a:ea typeface="Microsoft YaHei" panose="020B0503020204020204" pitchFamily="34" charset="-122"/>
-              </a:rPr>
-              <a:t>= 10&lt;integer&gt;                     //10</a:t>
-            </a:r>
-            <a:r>
-              <a:rPr lang="zh-CN" altLang="zh-CN" sz="2400" dirty="0">
-                <a:solidFill>
-                  <a:schemeClr val="tx1"/>
-                </a:solidFill>
-                <a:latin typeface="Microsoft YaHei" panose="020B0503020204020204" pitchFamily="34" charset="-122"/>
-                <a:ea typeface="Microsoft YaHei" panose="020B0503020204020204" pitchFamily="34" charset="-122"/>
-              </a:rPr>
-              <a:t>为下标。</a:t>
-            </a:r>
-          </a:p>
-          <a:p>
-            <a:pPr marL="0" indent="0">
-              <a:lnSpc>
-                <a:spcPct val="120000"/>
-              </a:lnSpc>
-              <a:buNone/>
-            </a:pPr>
-            <a:r>
-              <a:rPr lang="en-US" altLang="zh-CN" sz="2400" dirty="0">
-                <a:solidFill>
-                  <a:schemeClr val="tx1"/>
-                </a:solidFill>
-                <a:latin typeface="Microsoft YaHei" panose="020B0503020204020204" pitchFamily="34" charset="-122"/>
-                <a:ea typeface="Microsoft YaHei" panose="020B0503020204020204" pitchFamily="34" charset="-122"/>
-              </a:rPr>
-              <a:t>&lt;decimal number&gt; </a:t>
-            </a:r>
-            <a:r>
-              <a:rPr lang="zh-CN" altLang="zh-CN" sz="2400" dirty="0">
-                <a:solidFill>
-                  <a:schemeClr val="tx1"/>
-                </a:solidFill>
-                <a:latin typeface="Microsoft YaHei" panose="020B0503020204020204" pitchFamily="34" charset="-122"/>
-                <a:ea typeface="Microsoft YaHei" panose="020B0503020204020204" pitchFamily="34" charset="-122"/>
-              </a:rPr>
-              <a:t>：：</a:t>
-            </a:r>
-            <a:r>
-              <a:rPr lang="en-US" altLang="zh-CN" sz="2400" dirty="0">
-                <a:solidFill>
-                  <a:schemeClr val="tx1"/>
-                </a:solidFill>
-                <a:latin typeface="Microsoft YaHei" panose="020B0503020204020204" pitchFamily="34" charset="-122"/>
-                <a:ea typeface="Microsoft YaHei" panose="020B0503020204020204" pitchFamily="34" charset="-122"/>
-              </a:rPr>
-              <a:t>= &lt;unsigned integer&gt;</a:t>
-            </a:r>
-            <a:endParaRPr lang="zh-CN" altLang="zh-CN" sz="2400" dirty="0">
-              <a:solidFill>
-                <a:schemeClr val="tx1"/>
-              </a:solidFill>
-              <a:latin typeface="Microsoft YaHei" panose="020B0503020204020204" pitchFamily="34" charset="-122"/>
-              <a:ea typeface="Microsoft YaHei" panose="020B0503020204020204" pitchFamily="34" charset="-122"/>
-            </a:endParaRPr>
-          </a:p>
-          <a:p>
-            <a:pPr marL="0" indent="0">
-              <a:buNone/>
-            </a:pPr>
-            <a:r>
-              <a:rPr lang="en-US" altLang="zh-CN" sz="2400" dirty="0">
-                <a:solidFill>
-                  <a:schemeClr val="tx1"/>
-                </a:solidFill>
-                <a:latin typeface="Microsoft YaHei" panose="020B0503020204020204" pitchFamily="34" charset="-122"/>
-                <a:ea typeface="Microsoft YaHei" panose="020B0503020204020204" pitchFamily="34" charset="-122"/>
-              </a:rPr>
-              <a:t>                      | &lt;decimal fraction&gt;</a:t>
-            </a:r>
-            <a:endParaRPr lang="zh-CN" altLang="zh-CN" sz="2400" dirty="0">
-              <a:solidFill>
-                <a:schemeClr val="tx1"/>
-              </a:solidFill>
-              <a:latin typeface="Microsoft YaHei" panose="020B0503020204020204" pitchFamily="34" charset="-122"/>
-              <a:ea typeface="Microsoft YaHei" panose="020B0503020204020204" pitchFamily="34" charset="-122"/>
-            </a:endParaRPr>
-          </a:p>
-          <a:p>
-            <a:pPr marL="0" indent="0">
-              <a:buNone/>
-            </a:pPr>
-            <a:r>
-              <a:rPr lang="en-US" altLang="zh-CN" sz="2400" dirty="0">
-                <a:solidFill>
-                  <a:schemeClr val="tx1"/>
-                </a:solidFill>
-                <a:latin typeface="Microsoft YaHei" panose="020B0503020204020204" pitchFamily="34" charset="-122"/>
-                <a:ea typeface="Microsoft YaHei" panose="020B0503020204020204" pitchFamily="34" charset="-122"/>
-              </a:rPr>
-              <a:t>                      | &lt;unsigned integer&gt; &lt;decimal fraction&gt;</a:t>
-            </a:r>
-            <a:endParaRPr lang="zh-CN" altLang="zh-CN" sz="2400" dirty="0">
-              <a:solidFill>
-                <a:schemeClr val="tx1"/>
-              </a:solidFill>
-              <a:latin typeface="Microsoft YaHei" panose="020B0503020204020204" pitchFamily="34" charset="-122"/>
-              <a:ea typeface="Microsoft YaHei" panose="020B0503020204020204" pitchFamily="34" charset="-122"/>
-            </a:endParaRPr>
-          </a:p>
-          <a:p>
-            <a:pPr marL="0" indent="0">
-              <a:buNone/>
-            </a:pPr>
-            <a:r>
-              <a:rPr lang="en-US" altLang="zh-CN" sz="2400" dirty="0">
-                <a:solidFill>
-                  <a:schemeClr val="tx1"/>
-                </a:solidFill>
-                <a:latin typeface="Microsoft YaHei" panose="020B0503020204020204" pitchFamily="34" charset="-122"/>
-                <a:ea typeface="Microsoft YaHei" panose="020B0503020204020204" pitchFamily="34" charset="-122"/>
-              </a:rPr>
-              <a:t>     &lt;unsigned number&gt; </a:t>
-            </a:r>
-            <a:r>
-              <a:rPr lang="zh-CN" altLang="zh-CN" sz="2400" dirty="0">
-                <a:solidFill>
-                  <a:schemeClr val="tx1"/>
-                </a:solidFill>
-                <a:latin typeface="Microsoft YaHei" panose="020B0503020204020204" pitchFamily="34" charset="-122"/>
-                <a:ea typeface="Microsoft YaHei" panose="020B0503020204020204" pitchFamily="34" charset="-122"/>
-              </a:rPr>
-              <a:t>：：</a:t>
-            </a:r>
-            <a:r>
-              <a:rPr lang="en-US" altLang="zh-CN" sz="2400" dirty="0">
-                <a:solidFill>
-                  <a:schemeClr val="tx1"/>
-                </a:solidFill>
-                <a:latin typeface="Microsoft YaHei" panose="020B0503020204020204" pitchFamily="34" charset="-122"/>
-                <a:ea typeface="Microsoft YaHei" panose="020B0503020204020204" pitchFamily="34" charset="-122"/>
-              </a:rPr>
-              <a:t>= &lt;decimal number&gt;</a:t>
-            </a:r>
-            <a:endParaRPr lang="zh-CN" altLang="zh-CN" sz="2400" dirty="0">
-              <a:solidFill>
-                <a:schemeClr val="tx1"/>
-              </a:solidFill>
-              <a:latin typeface="Microsoft YaHei" panose="020B0503020204020204" pitchFamily="34" charset="-122"/>
-              <a:ea typeface="Microsoft YaHei" panose="020B0503020204020204" pitchFamily="34" charset="-122"/>
-            </a:endParaRPr>
-          </a:p>
-          <a:p>
-            <a:pPr marL="0" indent="0">
-              <a:buNone/>
-            </a:pPr>
-            <a:r>
-              <a:rPr lang="en-US" altLang="zh-CN" sz="2400" dirty="0">
-                <a:solidFill>
-                  <a:schemeClr val="tx1"/>
-                </a:solidFill>
-                <a:latin typeface="Microsoft YaHei" panose="020B0503020204020204" pitchFamily="34" charset="-122"/>
-                <a:ea typeface="Microsoft YaHei" panose="020B0503020204020204" pitchFamily="34" charset="-122"/>
-              </a:rPr>
-              <a:t>                         | &lt;exponent part&gt;</a:t>
-            </a:r>
-            <a:endParaRPr lang="zh-CN" altLang="zh-CN" sz="2400" dirty="0">
-              <a:solidFill>
-                <a:schemeClr val="tx1"/>
-              </a:solidFill>
-              <a:latin typeface="Microsoft YaHei" panose="020B0503020204020204" pitchFamily="34" charset="-122"/>
-              <a:ea typeface="Microsoft YaHei" panose="020B0503020204020204" pitchFamily="34" charset="-122"/>
-            </a:endParaRPr>
-          </a:p>
-          <a:p>
-            <a:pPr marL="0" indent="0">
-              <a:buNone/>
-            </a:pPr>
-            <a:r>
-              <a:rPr lang="en-US" altLang="zh-CN" sz="2400" dirty="0">
-                <a:solidFill>
-                  <a:schemeClr val="tx1"/>
-                </a:solidFill>
-                <a:latin typeface="Microsoft YaHei" panose="020B0503020204020204" pitchFamily="34" charset="-122"/>
-                <a:ea typeface="Microsoft YaHei" panose="020B0503020204020204" pitchFamily="34" charset="-122"/>
-              </a:rPr>
-              <a:t>                         | &lt;decimal number&gt; &lt;exponent part&gt;           </a:t>
-            </a:r>
-            <a:endParaRPr lang="zh-CN" altLang="zh-CN" sz="2400" dirty="0">
-              <a:solidFill>
-                <a:schemeClr val="tx1"/>
-              </a:solidFill>
-              <a:latin typeface="Microsoft YaHei" panose="020B0503020204020204" pitchFamily="34" charset="-122"/>
-              <a:ea typeface="Microsoft YaHei" panose="020B0503020204020204" pitchFamily="34" charset="-122"/>
-            </a:endParaRPr>
-          </a:p>
-          <a:p>
-            <a:pPr marL="0" indent="0">
-              <a:buNone/>
-            </a:pPr>
-            <a:r>
-              <a:rPr lang="en-US" altLang="zh-CN" sz="2400" dirty="0">
-                <a:solidFill>
-                  <a:schemeClr val="tx1"/>
-                </a:solidFill>
-                <a:latin typeface="Microsoft YaHei" panose="020B0503020204020204" pitchFamily="34" charset="-122"/>
-                <a:ea typeface="Microsoft YaHei" panose="020B0503020204020204" pitchFamily="34" charset="-122"/>
-              </a:rPr>
-              <a:t>     &lt;number&gt; </a:t>
-            </a:r>
-            <a:r>
-              <a:rPr lang="zh-CN" altLang="zh-CN" sz="2400" dirty="0">
-                <a:solidFill>
-                  <a:schemeClr val="tx1"/>
-                </a:solidFill>
-                <a:latin typeface="Microsoft YaHei" panose="020B0503020204020204" pitchFamily="34" charset="-122"/>
-                <a:ea typeface="Microsoft YaHei" panose="020B0503020204020204" pitchFamily="34" charset="-122"/>
-              </a:rPr>
-              <a:t>：：</a:t>
-            </a:r>
-            <a:r>
-              <a:rPr lang="en-US" altLang="zh-CN" sz="2400" dirty="0">
-                <a:solidFill>
-                  <a:schemeClr val="tx1"/>
-                </a:solidFill>
-                <a:latin typeface="Microsoft YaHei" panose="020B0503020204020204" pitchFamily="34" charset="-122"/>
-                <a:ea typeface="Microsoft YaHei" panose="020B0503020204020204" pitchFamily="34" charset="-122"/>
-              </a:rPr>
-              <a:t>= +&lt;unsigned number&gt;</a:t>
-            </a:r>
-            <a:endParaRPr lang="zh-CN" altLang="zh-CN" sz="2400" dirty="0">
-              <a:solidFill>
-                <a:schemeClr val="tx1"/>
-              </a:solidFill>
-              <a:latin typeface="Microsoft YaHei" panose="020B0503020204020204" pitchFamily="34" charset="-122"/>
-              <a:ea typeface="Microsoft YaHei" panose="020B0503020204020204" pitchFamily="34" charset="-122"/>
-            </a:endParaRPr>
-          </a:p>
-          <a:p>
-            <a:pPr marL="0" indent="0">
-              <a:buNone/>
-            </a:pPr>
-            <a:r>
-              <a:rPr lang="en-US" altLang="zh-CN" sz="2400" dirty="0">
-                <a:solidFill>
-                  <a:schemeClr val="tx1"/>
-                </a:solidFill>
-                <a:latin typeface="Microsoft YaHei" panose="020B0503020204020204" pitchFamily="34" charset="-122"/>
-                <a:ea typeface="Microsoft YaHei" panose="020B0503020204020204" pitchFamily="34" charset="-122"/>
-              </a:rPr>
-              <a:t>               | -&lt;unsigned number&gt;</a:t>
-            </a:r>
-            <a:endParaRPr lang="zh-CN" altLang="zh-CN" sz="2400" dirty="0">
-              <a:solidFill>
-                <a:schemeClr val="tx1"/>
-              </a:solidFill>
-              <a:latin typeface="Microsoft YaHei" panose="020B0503020204020204" pitchFamily="34" charset="-122"/>
-              <a:ea typeface="Microsoft YaHei" panose="020B0503020204020204" pitchFamily="34" charset="-122"/>
-            </a:endParaRPr>
-          </a:p>
-          <a:p>
-            <a:pPr marL="0" indent="0">
-              <a:buNone/>
-            </a:pPr>
-            <a:r>
-              <a:rPr lang="en-US" altLang="zh-CN" sz="2400" dirty="0">
-                <a:solidFill>
-                  <a:schemeClr val="tx1"/>
-                </a:solidFill>
-                <a:latin typeface="Microsoft YaHei" panose="020B0503020204020204" pitchFamily="34" charset="-122"/>
-                <a:ea typeface="Microsoft YaHei" panose="020B0503020204020204" pitchFamily="34" charset="-122"/>
-              </a:rPr>
-              <a:t>               |  &lt;unsigned number&gt;</a:t>
-            </a:r>
-            <a:endParaRPr kumimoji="1" lang="zh-CN" altLang="en-US" sz="2400" dirty="0">
-              <a:solidFill>
-                <a:schemeClr val="tx1"/>
-              </a:solidFill>
-            </a:endParaRPr>
-          </a:p>
-        </p:txBody>
-      </p:sp>
-      <p:sp>
-        <p:nvSpPr>
-          <p:cNvPr id="7" name="矩形 6">
-            <a:extLst>
-              <a:ext uri="{FF2B5EF4-FFF2-40B4-BE49-F238E27FC236}">
-                <a16:creationId xmlns:a16="http://schemas.microsoft.com/office/drawing/2014/main" id="{6EEF9A6E-C639-7049-A9F2-146C89C82F87}"/>
-              </a:ext>
-            </a:extLst>
-          </p:cNvPr>
-          <p:cNvSpPr/>
-          <p:nvPr/>
-        </p:nvSpPr>
-        <p:spPr>
-          <a:xfrm>
-            <a:off x="5644429" y="-13855"/>
-            <a:ext cx="902811" cy="523220"/>
-          </a:xfrm>
-          <a:prstGeom prst="rect">
-            <a:avLst/>
-          </a:prstGeom>
-        </p:spPr>
-        <p:txBody>
-          <a:bodyPr wrap="none">
-            <a:spAutoFit/>
-          </a:bodyPr>
-          <a:lstStyle/>
-          <a:p>
-            <a:r>
-              <a:rPr lang="zh-CN" altLang="en-US" sz="2800" b="1" dirty="0">
-                <a:latin typeface="Microsoft YaHei" panose="020B0503020204020204" pitchFamily="34" charset="-122"/>
-                <a:ea typeface="Microsoft YaHei" panose="020B0503020204020204" pitchFamily="34" charset="-122"/>
-              </a:rPr>
-              <a:t>作业</a:t>
-            </a:r>
-          </a:p>
-        </p:txBody>
-      </p:sp>
-    </p:spTree>
-    <p:extLst>
-      <p:ext uri="{BB962C8B-B14F-4D97-AF65-F5344CB8AC3E}">
-        <p14:creationId xmlns:p14="http://schemas.microsoft.com/office/powerpoint/2010/main" val="3584776021"/>
-      </p:ext>
-    </p:extLst>
-  </p:cSld>
-  <p:clrMapOvr>
-    <a:masterClrMapping/>
-  </p:clrMapOvr>
-</p:sld>
-</file>
-
-<file path=ppt/slides/slide6.xml><?xml version="1.0" encoding="utf-8"?>
-<p:sld xmlns:a="http://schemas.openxmlformats.org/drawingml/2006/main" xmlns:r="http://schemas.openxmlformats.org/officeDocument/2006/relationships" xmlns:p="http://schemas.openxmlformats.org/presentationml/2006/main">
-  <p:cSld>
-    <p:spTree>
-      <p:nvGrpSpPr>
-        <p:cNvPr id="1" name=""/>
-        <p:cNvGrpSpPr/>
-        <p:nvPr/>
-      </p:nvGrpSpPr>
-      <p:grpSpPr>
-        <a:xfrm>
-          <a:off x="0" y="0"/>
-          <a:ext cx="0" cy="0"/>
-          <a:chOff x="0" y="0"/>
-          <a:chExt cx="0" cy="0"/>
-        </a:xfrm>
-      </p:grpSpPr>
-      <p:sp>
-        <p:nvSpPr>
-          <p:cNvPr id="4" name="灯片编号占位符 3">
-            <a:extLst>
-              <a:ext uri="{FF2B5EF4-FFF2-40B4-BE49-F238E27FC236}">
-                <a16:creationId xmlns:a16="http://schemas.microsoft.com/office/drawing/2014/main" id="{86B0EDB5-61FA-F242-9BEF-1A0CB8648882}"/>
-              </a:ext>
-            </a:extLst>
-          </p:cNvPr>
-          <p:cNvSpPr>
-            <a:spLocks noGrp="1"/>
-          </p:cNvSpPr>
-          <p:nvPr>
-            <p:ph type="sldNum" sz="quarter" idx="12"/>
-          </p:nvPr>
-        </p:nvSpPr>
-        <p:spPr/>
-        <p:txBody>
-          <a:bodyPr/>
-          <a:lstStyle/>
-          <a:p>
-            <a:pPr rtl="0"/>
-            <a:fld id="{D57F1E4F-1CFF-5643-939E-217C01CDF565}" type="slidenum">
-              <a:rPr lang="en-US" altLang="zh-CN" noProof="0" smtClean="0"/>
-              <a:pPr rtl="0"/>
-              <a:t>6</a:t>
-            </a:fld>
-            <a:endParaRPr lang="zh-CN" altLang="en-US" noProof="0" dirty="0"/>
-          </a:p>
-        </p:txBody>
-      </p:sp>
-      <p:sp>
-        <p:nvSpPr>
-          <p:cNvPr id="3" name="内容占位符 2">
-            <a:extLst>
-              <a:ext uri="{FF2B5EF4-FFF2-40B4-BE49-F238E27FC236}">
-                <a16:creationId xmlns:a16="http://schemas.microsoft.com/office/drawing/2014/main" id="{74301BE9-4A52-5B48-9FAD-C411D5CFA272}"/>
-              </a:ext>
-            </a:extLst>
-          </p:cNvPr>
-          <p:cNvSpPr>
-            <a:spLocks noGrp="1"/>
-          </p:cNvSpPr>
-          <p:nvPr>
-            <p:ph idx="4294967295"/>
-          </p:nvPr>
-        </p:nvSpPr>
-        <p:spPr>
-          <a:xfrm>
-            <a:off x="580860" y="789105"/>
-            <a:ext cx="11029950" cy="5756662"/>
-          </a:xfrm>
-        </p:spPr>
-        <p:txBody>
-          <a:bodyPr>
-            <a:noAutofit/>
-          </a:bodyPr>
-          <a:lstStyle/>
-          <a:p>
-            <a:pPr>
-              <a:lnSpc>
-                <a:spcPct val="114000"/>
-              </a:lnSpc>
-              <a:spcBef>
-                <a:spcPts val="800"/>
-              </a:spcBef>
-              <a:spcAft>
-                <a:spcPts val="800"/>
-              </a:spcAft>
-            </a:pPr>
-            <a:r>
-              <a:rPr lang="en-US" altLang="zh-CN" sz="2400" dirty="0">
-                <a:solidFill>
-                  <a:schemeClr val="tx1"/>
-                </a:solidFill>
-              </a:rPr>
-              <a:t>2.6 </a:t>
-            </a:r>
-            <a:r>
-              <a:rPr lang="zh-CN" altLang="zh-CN" sz="2400" dirty="0">
-                <a:solidFill>
-                  <a:schemeClr val="tx1"/>
-                </a:solidFill>
-              </a:rPr>
-              <a:t>将下面的</a:t>
-            </a:r>
-            <a:r>
-              <a:rPr lang="en-US" altLang="zh-CN" sz="2400" dirty="0">
-                <a:solidFill>
-                  <a:schemeClr val="tx1"/>
-                </a:solidFill>
-              </a:rPr>
-              <a:t>EBNF</a:t>
-            </a:r>
-            <a:r>
-              <a:rPr lang="zh-CN" altLang="zh-CN" sz="2400" dirty="0">
-                <a:solidFill>
-                  <a:schemeClr val="tx1"/>
-                </a:solidFill>
-              </a:rPr>
-              <a:t>转换为</a:t>
-            </a:r>
-            <a:r>
-              <a:rPr lang="en-US" altLang="zh-CN" sz="2400" dirty="0">
-                <a:solidFill>
-                  <a:schemeClr val="tx1"/>
-                </a:solidFill>
-              </a:rPr>
-              <a:t>BNF</a:t>
-            </a:r>
-            <a:r>
-              <a:rPr lang="zh-CN" altLang="zh-CN" sz="2400" dirty="0">
-                <a:solidFill>
-                  <a:schemeClr val="tx1"/>
-                </a:solidFill>
-              </a:rPr>
-              <a:t>：</a:t>
-            </a:r>
-          </a:p>
-          <a:p>
-            <a:pPr marL="0" indent="0">
-              <a:spcBef>
-                <a:spcPts val="600"/>
-              </a:spcBef>
-              <a:buNone/>
-            </a:pPr>
-            <a:r>
-              <a:rPr lang="zh-CN" altLang="en-US" sz="2000" dirty="0">
-                <a:solidFill>
-                  <a:schemeClr val="tx1"/>
-                </a:solidFill>
-              </a:rPr>
-              <a:t>         </a:t>
-            </a:r>
-            <a:r>
-              <a:rPr lang="en-US" altLang="zh-CN" sz="2000" dirty="0">
-                <a:solidFill>
-                  <a:schemeClr val="tx1"/>
-                </a:solidFill>
-              </a:rPr>
-              <a:t>S -&gt; A { </a:t>
-            </a:r>
-            <a:r>
-              <a:rPr lang="en-US" altLang="zh-CN" sz="2000" dirty="0" err="1">
-                <a:solidFill>
-                  <a:schemeClr val="tx1"/>
-                </a:solidFill>
-              </a:rPr>
-              <a:t>bA</a:t>
-            </a:r>
-            <a:r>
-              <a:rPr lang="en-US" altLang="zh-CN" sz="2000" dirty="0">
-                <a:solidFill>
-                  <a:schemeClr val="tx1"/>
-                </a:solidFill>
-              </a:rPr>
-              <a:t> }</a:t>
-            </a:r>
-            <a:endParaRPr lang="zh-CN" altLang="zh-CN" sz="2000" dirty="0">
-              <a:solidFill>
-                <a:schemeClr val="tx1"/>
-              </a:solidFill>
-            </a:endParaRPr>
-          </a:p>
-          <a:p>
-            <a:pPr marL="0" indent="0">
-              <a:spcBef>
-                <a:spcPts val="600"/>
-              </a:spcBef>
-              <a:buNone/>
-            </a:pPr>
-            <a:r>
-              <a:rPr lang="zh-CN" altLang="en-US" sz="2000" dirty="0">
-                <a:solidFill>
-                  <a:schemeClr val="tx1"/>
-                </a:solidFill>
-              </a:rPr>
-              <a:t>         </a:t>
-            </a:r>
-            <a:r>
-              <a:rPr lang="en-US" altLang="zh-CN" sz="2000" dirty="0">
-                <a:solidFill>
-                  <a:schemeClr val="tx1"/>
-                </a:solidFill>
-              </a:rPr>
-              <a:t>A -&gt; a [ b ] A</a:t>
-            </a:r>
-            <a:endParaRPr lang="zh-CN" altLang="zh-CN" sz="2000" dirty="0">
-              <a:solidFill>
-                <a:schemeClr val="tx1"/>
-              </a:solidFill>
-            </a:endParaRPr>
-          </a:p>
-          <a:p>
-            <a:pPr>
-              <a:lnSpc>
-                <a:spcPct val="114000"/>
-              </a:lnSpc>
-              <a:spcBef>
-                <a:spcPts val="800"/>
-              </a:spcBef>
-              <a:spcAft>
-                <a:spcPts val="800"/>
-              </a:spcAft>
-            </a:pPr>
-            <a:r>
-              <a:rPr lang="en-US" altLang="zh-CN" sz="2400" dirty="0">
-                <a:solidFill>
-                  <a:schemeClr val="tx1"/>
-                </a:solidFill>
-              </a:rPr>
-              <a:t>2.7 </a:t>
-            </a:r>
-            <a:r>
-              <a:rPr lang="zh-CN" altLang="zh-CN" sz="2400" dirty="0">
-                <a:solidFill>
-                  <a:schemeClr val="tx1"/>
-                </a:solidFill>
-              </a:rPr>
-              <a:t>考虑下列文法：</a:t>
-            </a:r>
-          </a:p>
-          <a:p>
-            <a:pPr marL="0" indent="0">
-              <a:spcBef>
-                <a:spcPts val="600"/>
-              </a:spcBef>
-              <a:buNone/>
-            </a:pPr>
-            <a:r>
-              <a:rPr lang="en-US" altLang="zh-CN" sz="2000" dirty="0">
-                <a:solidFill>
-                  <a:schemeClr val="tx1"/>
-                </a:solidFill>
-              </a:rPr>
-              <a:t>     </a:t>
-            </a:r>
-            <a:r>
-              <a:rPr lang="zh-CN" altLang="en-US" sz="2000" dirty="0">
-                <a:solidFill>
-                  <a:schemeClr val="tx1"/>
-                </a:solidFill>
-              </a:rPr>
-              <a:t>    </a:t>
-            </a:r>
-            <a:r>
-              <a:rPr lang="en-US" altLang="zh-CN" sz="2000" dirty="0">
-                <a:solidFill>
-                  <a:schemeClr val="tx1"/>
-                </a:solidFill>
-              </a:rPr>
-              <a:t>&lt; S &gt; -&gt; &lt; A &gt; a &lt; B &gt; b</a:t>
-            </a:r>
-            <a:endParaRPr lang="zh-CN" altLang="zh-CN" sz="2000" dirty="0">
-              <a:solidFill>
-                <a:schemeClr val="tx1"/>
-              </a:solidFill>
-            </a:endParaRPr>
-          </a:p>
-          <a:p>
-            <a:pPr marL="0" indent="0">
-              <a:spcBef>
-                <a:spcPts val="600"/>
-              </a:spcBef>
-              <a:buNone/>
-            </a:pPr>
-            <a:r>
-              <a:rPr lang="en-US" altLang="zh-CN" sz="2000" dirty="0">
-                <a:solidFill>
-                  <a:schemeClr val="tx1"/>
-                </a:solidFill>
-              </a:rPr>
-              <a:t>     </a:t>
-            </a:r>
-            <a:r>
-              <a:rPr lang="zh-CN" altLang="en-US" sz="2000" dirty="0">
-                <a:solidFill>
-                  <a:schemeClr val="tx1"/>
-                </a:solidFill>
-              </a:rPr>
-              <a:t>    </a:t>
-            </a:r>
-            <a:r>
-              <a:rPr lang="en-US" altLang="zh-CN" sz="2000" dirty="0">
-                <a:solidFill>
-                  <a:schemeClr val="tx1"/>
-                </a:solidFill>
-              </a:rPr>
-              <a:t>&lt; A &gt; -&gt; &lt; A &gt; b | b</a:t>
-            </a:r>
-            <a:endParaRPr lang="zh-CN" altLang="zh-CN" sz="2000" dirty="0">
-              <a:solidFill>
-                <a:schemeClr val="tx1"/>
-              </a:solidFill>
-            </a:endParaRPr>
-          </a:p>
-          <a:p>
-            <a:pPr marL="0" indent="0">
-              <a:spcBef>
-                <a:spcPts val="600"/>
-              </a:spcBef>
-              <a:buNone/>
-            </a:pPr>
-            <a:r>
-              <a:rPr lang="en-US" altLang="zh-CN" sz="2000" dirty="0">
-                <a:solidFill>
-                  <a:schemeClr val="tx1"/>
-                </a:solidFill>
-              </a:rPr>
-              <a:t>     </a:t>
-            </a:r>
-            <a:r>
-              <a:rPr lang="zh-CN" altLang="en-US" sz="2000" dirty="0">
-                <a:solidFill>
-                  <a:schemeClr val="tx1"/>
-                </a:solidFill>
-              </a:rPr>
-              <a:t>    </a:t>
-            </a:r>
-            <a:r>
-              <a:rPr lang="en-US" altLang="zh-CN" sz="2000" dirty="0">
-                <a:solidFill>
-                  <a:schemeClr val="tx1"/>
-                </a:solidFill>
-              </a:rPr>
-              <a:t>&lt; B &gt; -&gt; a &lt; B &gt; | a</a:t>
-            </a:r>
-            <a:endParaRPr lang="zh-CN" altLang="zh-CN" sz="2000" dirty="0">
-              <a:solidFill>
-                <a:schemeClr val="tx1"/>
-              </a:solidFill>
-            </a:endParaRPr>
-          </a:p>
-          <a:p>
-            <a:pPr>
-              <a:lnSpc>
-                <a:spcPct val="114000"/>
-              </a:lnSpc>
-              <a:spcBef>
-                <a:spcPts val="800"/>
-              </a:spcBef>
-              <a:spcAft>
-                <a:spcPts val="800"/>
-              </a:spcAft>
-            </a:pPr>
-            <a:r>
-              <a:rPr lang="zh-CN" altLang="zh-CN" sz="2400" dirty="0">
-                <a:solidFill>
-                  <a:schemeClr val="tx1"/>
-                </a:solidFill>
-              </a:rPr>
-              <a:t>下面的哪些句子属于这些文法所产生的语言？</a:t>
-            </a:r>
-          </a:p>
-          <a:p>
-            <a:pPr marL="0" indent="0">
-              <a:spcBef>
-                <a:spcPts val="600"/>
-              </a:spcBef>
-              <a:buNone/>
-            </a:pPr>
-            <a:r>
-              <a:rPr lang="zh-CN" altLang="en-US" sz="2000" dirty="0">
-                <a:solidFill>
-                  <a:schemeClr val="tx1"/>
-                </a:solidFill>
-              </a:rPr>
-              <a:t>    </a:t>
-            </a:r>
-            <a:r>
-              <a:rPr lang="en-US" altLang="zh-CN" sz="2000" dirty="0" err="1">
-                <a:solidFill>
-                  <a:schemeClr val="tx1"/>
-                </a:solidFill>
-              </a:rPr>
-              <a:t>baab</a:t>
-            </a:r>
-            <a:endParaRPr lang="zh-CN" altLang="zh-CN" sz="2000" dirty="0">
-              <a:solidFill>
-                <a:schemeClr val="tx1"/>
-              </a:solidFill>
-            </a:endParaRPr>
-          </a:p>
-          <a:p>
-            <a:pPr marL="0" indent="0">
-              <a:spcBef>
-                <a:spcPts val="600"/>
-              </a:spcBef>
-              <a:buNone/>
-            </a:pPr>
-            <a:r>
-              <a:rPr lang="zh-CN" altLang="en-US" sz="2000" dirty="0">
-                <a:solidFill>
-                  <a:schemeClr val="tx1"/>
-                </a:solidFill>
-              </a:rPr>
-              <a:t>    </a:t>
-            </a:r>
-            <a:r>
-              <a:rPr lang="en-US" altLang="zh-CN" sz="2000" dirty="0" err="1">
-                <a:solidFill>
-                  <a:schemeClr val="tx1"/>
-                </a:solidFill>
-              </a:rPr>
-              <a:t>bbbab</a:t>
-            </a:r>
-            <a:endParaRPr lang="zh-CN" altLang="zh-CN" sz="2000" dirty="0">
-              <a:solidFill>
-                <a:schemeClr val="tx1"/>
-              </a:solidFill>
-            </a:endParaRPr>
-          </a:p>
-          <a:p>
-            <a:pPr marL="0" indent="0">
-              <a:spcBef>
-                <a:spcPts val="600"/>
-              </a:spcBef>
-              <a:buNone/>
-            </a:pPr>
-            <a:r>
-              <a:rPr lang="zh-CN" altLang="en-US" sz="2000" dirty="0">
-                <a:solidFill>
-                  <a:schemeClr val="tx1"/>
-                </a:solidFill>
-              </a:rPr>
-              <a:t>    </a:t>
-            </a:r>
-            <a:r>
-              <a:rPr lang="en-US" altLang="zh-CN" sz="2000" dirty="0" err="1">
-                <a:solidFill>
-                  <a:schemeClr val="tx1"/>
-                </a:solidFill>
-              </a:rPr>
-              <a:t>bbaaaaa</a:t>
-            </a:r>
-            <a:endParaRPr lang="zh-CN" altLang="zh-CN" sz="2000" dirty="0">
-              <a:solidFill>
-                <a:schemeClr val="tx1"/>
-              </a:solidFill>
-            </a:endParaRPr>
-          </a:p>
-          <a:p>
-            <a:pPr marL="0" indent="0">
-              <a:spcBef>
-                <a:spcPts val="600"/>
-              </a:spcBef>
-              <a:buNone/>
-            </a:pPr>
-            <a:r>
-              <a:rPr lang="zh-CN" altLang="en-US" sz="2000" dirty="0">
-                <a:solidFill>
-                  <a:schemeClr val="tx1"/>
-                </a:solidFill>
-              </a:rPr>
-              <a:t>    </a:t>
-            </a:r>
-            <a:r>
-              <a:rPr lang="en-US" altLang="zh-CN" sz="2000" dirty="0" err="1">
-                <a:solidFill>
-                  <a:schemeClr val="tx1"/>
-                </a:solidFill>
-              </a:rPr>
-              <a:t>bbaab</a:t>
-            </a:r>
-            <a:endParaRPr lang="zh-CN" altLang="zh-CN" sz="2000" dirty="0">
-              <a:solidFill>
-                <a:schemeClr val="tx1"/>
-              </a:solidFill>
-            </a:endParaRPr>
-          </a:p>
-        </p:txBody>
-      </p:sp>
-      <p:sp>
-        <p:nvSpPr>
-          <p:cNvPr id="6" name="矩形 5">
-            <a:extLst>
-              <a:ext uri="{FF2B5EF4-FFF2-40B4-BE49-F238E27FC236}">
-                <a16:creationId xmlns:a16="http://schemas.microsoft.com/office/drawing/2014/main" id="{A2CE1302-5661-6640-94E2-089BDE97EA88}"/>
-              </a:ext>
-            </a:extLst>
-          </p:cNvPr>
-          <p:cNvSpPr/>
-          <p:nvPr/>
-        </p:nvSpPr>
-        <p:spPr>
-          <a:xfrm>
-            <a:off x="5644429" y="-13855"/>
-            <a:ext cx="902811" cy="523220"/>
-          </a:xfrm>
-          <a:prstGeom prst="rect">
-            <a:avLst/>
-          </a:prstGeom>
-        </p:spPr>
-        <p:txBody>
-          <a:bodyPr wrap="none">
-            <a:spAutoFit/>
-          </a:bodyPr>
-          <a:lstStyle/>
-          <a:p>
-            <a:r>
-              <a:rPr lang="zh-CN" altLang="en-US" sz="2800" b="1" dirty="0">
-                <a:latin typeface="Microsoft YaHei" panose="020B0503020204020204" pitchFamily="34" charset="-122"/>
-                <a:ea typeface="Microsoft YaHei" panose="020B0503020204020204" pitchFamily="34" charset="-122"/>
-              </a:rPr>
-              <a:t>作业</a:t>
-            </a:r>
-          </a:p>
-        </p:txBody>
-      </p:sp>
-    </p:spTree>
-    <p:extLst>
-      <p:ext uri="{BB962C8B-B14F-4D97-AF65-F5344CB8AC3E}">
-        <p14:creationId xmlns:p14="http://schemas.microsoft.com/office/powerpoint/2010/main" val="1733270570"/>
       </p:ext>
     </p:extLst>
   </p:cSld>
